--- a/Intel Unnati _ Idea Submission PPT.pptx
+++ b/Intel Unnati _ Idea Submission PPT.pptx
@@ -5,13 +5,14 @@
     <p:sldMasterId id="2147483648" r:id="rId1"/>
   </p:sldMasterIdLst>
   <p:sldIdLst>
-    <p:sldId id="256" r:id="rId2"/>
-    <p:sldId id="257" r:id="rId3"/>
-    <p:sldId id="258" r:id="rId4"/>
-    <p:sldId id="259" r:id="rId5"/>
-    <p:sldId id="260" r:id="rId6"/>
-    <p:sldId id="261" r:id="rId7"/>
-    <p:sldId id="263" r:id="rId8"/>
+    <p:sldId id="264" r:id="rId2"/>
+    <p:sldId id="256" r:id="rId3"/>
+    <p:sldId id="257" r:id="rId4"/>
+    <p:sldId id="258" r:id="rId5"/>
+    <p:sldId id="259" r:id="rId6"/>
+    <p:sldId id="260" r:id="rId7"/>
+    <p:sldId id="261" r:id="rId8"/>
+    <p:sldId id="263" r:id="rId9"/>
   </p:sldIdLst>
   <p:sldSz cx="9144000" cy="5143500" type="screen16x9"/>
   <p:notesSz cx="9144000" cy="5143500"/>
@@ -268,7 +269,7 @@
           <a:p>
             <a:fld id="{1D8BD707-D9CF-40AE-B4C6-C98DA3205C09}" type="datetimeFigureOut">
               <a:rPr lang="en-US"/>
-              <a:t>7/14/2024</a:t>
+              <a:t>7/15/2024</a:t>
             </a:fld>
             <a:endParaRPr lang="en-US"/>
           </a:p>
@@ -439,7 +440,7 @@
           <a:p>
             <a:fld id="{1D8BD707-D9CF-40AE-B4C6-C98DA3205C09}" type="datetimeFigureOut">
               <a:rPr lang="en-US"/>
-              <a:t>7/14/2024</a:t>
+              <a:t>7/15/2024</a:t>
             </a:fld>
             <a:endParaRPr lang="en-US"/>
           </a:p>
@@ -653,7 +654,7 @@
           <a:p>
             <a:fld id="{1D8BD707-D9CF-40AE-B4C6-C98DA3205C09}" type="datetimeFigureOut">
               <a:rPr lang="en-US"/>
-              <a:t>7/14/2024</a:t>
+              <a:t>7/15/2024</a:t>
             </a:fld>
             <a:endParaRPr lang="en-US"/>
           </a:p>
@@ -801,7 +802,7 @@
           <a:p>
             <a:fld id="{1D8BD707-D9CF-40AE-B4C6-C98DA3205C09}" type="datetimeFigureOut">
               <a:rPr lang="en-US"/>
-              <a:t>7/14/2024</a:t>
+              <a:t>7/15/2024</a:t>
             </a:fld>
             <a:endParaRPr lang="en-US"/>
           </a:p>
@@ -920,7 +921,7 @@
           <a:p>
             <a:fld id="{1D8BD707-D9CF-40AE-B4C6-C98DA3205C09}" type="datetimeFigureOut">
               <a:rPr lang="en-US"/>
-              <a:t>7/14/2024</a:t>
+              <a:t>7/15/2024</a:t>
             </a:fld>
             <a:endParaRPr lang="en-US"/>
           </a:p>
@@ -1161,7 +1162,7 @@
           <a:p>
             <a:fld id="{1D8BD707-D9CF-40AE-B4C6-C98DA3205C09}" type="datetimeFigureOut">
               <a:rPr lang="en-US"/>
-              <a:t>7/14/2024</a:t>
+              <a:t>7/15/2024</a:t>
             </a:fld>
             <a:endParaRPr lang="en-US"/>
           </a:p>
@@ -1500,6 +1501,206 @@
         <p:spPr>
           <a:xfrm>
             <a:off x="152400" y="1489561"/>
+            <a:ext cx="4038600" cy="954107"/>
+          </a:xfrm>
+          <a:prstGeom prst="rect">
+            <a:avLst/>
+          </a:prstGeom>
+          <a:noFill/>
+        </p:spPr>
+        <p:txBody>
+          <a:bodyPr wrap="square" rtlCol="0">
+            <a:spAutoFit/>
+          </a:bodyPr>
+          <a:lstStyle/>
+          <a:p>
+            <a:r>
+              <a:rPr lang="en-US" sz="1400" dirty="0"/>
+              <a:t>Presented By</a:t>
+            </a:r>
+          </a:p>
+          <a:p>
+            <a:r>
+              <a:rPr lang="en-US" sz="1400" dirty="0"/>
+              <a:t>	Name : Uppili </a:t>
+            </a:r>
+            <a:r>
+              <a:rPr lang="en-US" sz="1400" dirty="0" err="1"/>
+              <a:t>srinivasan</a:t>
+            </a:r>
+            <a:r>
+              <a:rPr lang="en-US" sz="1400" dirty="0"/>
+              <a:t> M</a:t>
+            </a:r>
+          </a:p>
+          <a:p>
+            <a:r>
+              <a:rPr lang="en-US" sz="1400" dirty="0"/>
+              <a:t>	E-mail :Sit21ad031@sairamtap.edu.in</a:t>
+            </a:r>
+          </a:p>
+          <a:p>
+            <a:r>
+              <a:rPr lang="en-US" sz="1400" dirty="0"/>
+              <a:t>	</a:t>
+            </a:r>
+            <a:r>
+              <a:rPr lang="en-IN" sz="1400" dirty="0"/>
+              <a:t>Dept : AI-DS</a:t>
+            </a:r>
+          </a:p>
+        </p:txBody>
+      </p:sp>
+    </p:spTree>
+    <p:extLst>
+      <p:ext uri="{BB962C8B-B14F-4D97-AF65-F5344CB8AC3E}">
+        <p14:creationId xmlns:p14="http://schemas.microsoft.com/office/powerpoint/2010/main" val="523077635"/>
+      </p:ext>
+    </p:extLst>
+  </p:cSld>
+  <p:clrMapOvr>
+    <a:masterClrMapping/>
+  </p:clrMapOvr>
+</p:sld>
+</file>
+
+<file path=ppt/slides/slide2.xml><?xml version="1.0" encoding="utf-8"?>
+<p:sld xmlns:a="http://schemas.openxmlformats.org/drawingml/2006/main" xmlns:r="http://schemas.openxmlformats.org/officeDocument/2006/relationships" xmlns:p="http://schemas.openxmlformats.org/presentationml/2006/main">
+  <p:cSld>
+    <p:spTree>
+      <p:nvGrpSpPr>
+        <p:cNvPr id="1" name=""/>
+        <p:cNvGrpSpPr/>
+        <p:nvPr/>
+      </p:nvGrpSpPr>
+      <p:grpSpPr>
+        <a:xfrm>
+          <a:off x="0" y="0"/>
+          <a:ext cx="0" cy="0"/>
+          <a:chOff x="0" y="0"/>
+          <a:chExt cx="0" cy="0"/>
+        </a:xfrm>
+      </p:grpSpPr>
+      <p:sp>
+        <p:nvSpPr>
+          <p:cNvPr id="2" name="object 2"/>
+          <p:cNvSpPr txBox="1">
+            <a:spLocks noGrp="1"/>
+          </p:cNvSpPr>
+          <p:nvPr>
+            <p:ph type="title"/>
+          </p:nvPr>
+        </p:nvSpPr>
+        <p:spPr>
+          <a:xfrm>
+            <a:off x="179628" y="227838"/>
+            <a:ext cx="3039110" cy="422275"/>
+          </a:xfrm>
+          <a:prstGeom prst="rect">
+            <a:avLst/>
+          </a:prstGeom>
+        </p:spPr>
+        <p:txBody>
+          <a:bodyPr vert="horz" wrap="square" lIns="0" tIns="13335" rIns="0" bIns="0" rtlCol="0">
+            <a:spAutoFit/>
+          </a:bodyPr>
+          <a:lstStyle/>
+          <a:p>
+            <a:pPr marL="12700">
+              <a:lnSpc>
+                <a:spcPct val="100000"/>
+              </a:lnSpc>
+              <a:spcBef>
+                <a:spcPts val="105"/>
+              </a:spcBef>
+            </a:pPr>
+            <a:r>
+              <a:rPr dirty="0"/>
+              <a:t>Problem</a:t>
+            </a:r>
+            <a:r>
+              <a:rPr spc="-75" dirty="0"/>
+              <a:t> </a:t>
+            </a:r>
+            <a:r>
+              <a:rPr dirty="0"/>
+              <a:t>Statement</a:t>
+            </a:r>
+          </a:p>
+        </p:txBody>
+      </p:sp>
+      <p:sp>
+        <p:nvSpPr>
+          <p:cNvPr id="3" name="TextBox 2">
+            <a:extLst>
+              <a:ext uri="{FF2B5EF4-FFF2-40B4-BE49-F238E27FC236}">
+                <a16:creationId xmlns:a16="http://schemas.microsoft.com/office/drawing/2014/main" id="{40C63973-17F2-7A8F-0BF1-B01E2769F279}"/>
+              </a:ext>
+            </a:extLst>
+          </p:cNvPr>
+          <p:cNvSpPr txBox="1"/>
+          <p:nvPr/>
+        </p:nvSpPr>
+        <p:spPr>
+          <a:xfrm>
+            <a:off x="152400" y="971549"/>
+            <a:ext cx="6705600" cy="369332"/>
+          </a:xfrm>
+          <a:prstGeom prst="rect">
+            <a:avLst/>
+          </a:prstGeom>
+          <a:noFill/>
+        </p:spPr>
+        <p:txBody>
+          <a:bodyPr wrap="square" rtlCol="0">
+            <a:spAutoFit/>
+          </a:bodyPr>
+          <a:lstStyle/>
+          <a:p>
+            <a:r>
+              <a:rPr lang="en-US" b="1" dirty="0"/>
+              <a:t>Title </a:t>
+            </a:r>
+            <a:r>
+              <a:rPr lang="en-US" dirty="0"/>
+              <a:t>: </a:t>
+            </a:r>
+            <a:r>
+              <a:rPr lang="en-US" dirty="0">
+                <a:highlight>
+                  <a:srgbClr val="FFFFFF"/>
+                </a:highlight>
+              </a:rPr>
+              <a:t>Intel</a:t>
+            </a:r>
+            <a:r>
+              <a:rPr lang="en-US" b="0" i="0" dirty="0">
+                <a:effectLst/>
+                <a:highlight>
+                  <a:srgbClr val="FFFFFF"/>
+                </a:highlight>
+              </a:rPr>
+              <a:t> Products Sentiment Analysis from Online Reviews</a:t>
+            </a:r>
+            <a:endParaRPr lang="en-IN" dirty="0"/>
+          </a:p>
+        </p:txBody>
+      </p:sp>
+      <p:sp>
+        <p:nvSpPr>
+          <p:cNvPr id="4" name="TextBox 3">
+            <a:extLst>
+              <a:ext uri="{FF2B5EF4-FFF2-40B4-BE49-F238E27FC236}">
+                <a16:creationId xmlns:a16="http://schemas.microsoft.com/office/drawing/2014/main" id="{466737B1-69AA-82CA-135A-823801B02F21}"/>
+              </a:ext>
+            </a:extLst>
+          </p:cNvPr>
+          <p:cNvSpPr txBox="1"/>
+          <p:nvPr/>
+        </p:nvSpPr>
+        <p:spPr>
+          <a:xfrm>
+            <a:off x="152400" y="1489561"/>
             <a:ext cx="3477972" cy="584775"/>
           </a:xfrm>
           <a:prstGeom prst="rect">
@@ -1574,7 +1775,7 @@
 </p:sld>
 </file>
 
-<file path=ppt/slides/slide2.xml><?xml version="1.0" encoding="utf-8"?>
+<file path=ppt/slides/slide3.xml><?xml version="1.0" encoding="utf-8"?>
 <p:sld xmlns:a="http://schemas.openxmlformats.org/drawingml/2006/main" xmlns:r="http://schemas.openxmlformats.org/officeDocument/2006/relationships" xmlns:p="http://schemas.openxmlformats.org/presentationml/2006/main">
   <p:cSld>
     <p:spTree>
@@ -1696,7 +1897,7 @@
 </p:sld>
 </file>
 
-<file path=ppt/slides/slide3.xml><?xml version="1.0" encoding="utf-8"?>
+<file path=ppt/slides/slide4.xml><?xml version="1.0" encoding="utf-8"?>
 <p:sld xmlns:a="http://schemas.openxmlformats.org/drawingml/2006/main" xmlns:r="http://schemas.openxmlformats.org/officeDocument/2006/relationships" xmlns:p="http://schemas.openxmlformats.org/presentationml/2006/main">
   <p:cSld>
     <p:spTree>
@@ -1877,7 +2078,7 @@
 </p:sld>
 </file>
 
-<file path=ppt/slides/slide4.xml><?xml version="1.0" encoding="utf-8"?>
+<file path=ppt/slides/slide5.xml><?xml version="1.0" encoding="utf-8"?>
 <p:sld xmlns:a="http://schemas.openxmlformats.org/drawingml/2006/main" xmlns:r="http://schemas.openxmlformats.org/officeDocument/2006/relationships" xmlns:p="http://schemas.openxmlformats.org/presentationml/2006/main">
   <p:cSld>
     <p:spTree>
@@ -3760,7 +3961,7 @@
 </p:sld>
 </file>
 
-<file path=ppt/slides/slide5.xml><?xml version="1.0" encoding="utf-8"?>
+<file path=ppt/slides/slide6.xml><?xml version="1.0" encoding="utf-8"?>
 <p:sld xmlns:a="http://schemas.openxmlformats.org/drawingml/2006/main" xmlns:r="http://schemas.openxmlformats.org/officeDocument/2006/relationships" xmlns:p="http://schemas.openxmlformats.org/presentationml/2006/main">
   <p:cSld>
     <p:spTree>
@@ -3869,7 +4070,7 @@
 </p:sld>
 </file>
 
-<file path=ppt/slides/slide6.xml><?xml version="1.0" encoding="utf-8"?>
+<file path=ppt/slides/slide7.xml><?xml version="1.0" encoding="utf-8"?>
 <p:sld xmlns:a="http://schemas.openxmlformats.org/drawingml/2006/main" xmlns:r="http://schemas.openxmlformats.org/officeDocument/2006/relationships" xmlns:p="http://schemas.openxmlformats.org/presentationml/2006/main">
   <p:cSld>
     <p:spTree>
@@ -4107,7 +4308,7 @@
 </p:sld>
 </file>
 
-<file path=ppt/slides/slide7.xml><?xml version="1.0" encoding="utf-8"?>
+<file path=ppt/slides/slide8.xml><?xml version="1.0" encoding="utf-8"?>
 <p:sld xmlns:a="http://schemas.openxmlformats.org/drawingml/2006/main" xmlns:r="http://schemas.openxmlformats.org/officeDocument/2006/relationships" xmlns:p="http://schemas.openxmlformats.org/presentationml/2006/main">
   <p:cSld>
     <p:spTree>
